--- a/pdfextraction/content/output/A Survey of South American Lizards Biodiversity and Ecological.pptx
+++ b/pdfextraction/content/output/A Survey of South American Lizards Biodiversity and Ecological.pptx
@@ -26,6 +26,9 @@
     <p:sldId id="271" r:id="rId33"/>
     <p:sldId id="272" r:id="rId34"/>
     <p:sldId id="273" r:id="rId35"/>
+    <p:sldId id="274" r:id="rId36"/>
+    <p:sldId id="275" r:id="rId37"/>
+    <p:sldId id="276" r:id="rId38"/>
   </p:sldIdLst>
   <p:sldSz cx="12192000" cy="6858000"/>
   <p:notesSz cx="6858000" cy="9144000"/>
@@ -38034,8 +38037,9 @@
           <a:p>
             <a:r>
               <a:rPr lang="en-US"/>
-              <a:t> The continent of South America is home to a wide variety of lizard families.
- Each family plays a unique ecological role in its respective habitat.</a:t>
+              <a:t> South America is home to a wide variety of lizard families.
+ Polychrotidae, for example, contains the anole lizards.
+ The continent's rich biodiversity is due in part to the ecological roles these lizards play in their respective habitats.</a:t>
             </a:r>
           </a:p>
         </p:txBody>
@@ -38136,6 +38140,55 @@
 </file>
 
 <file path=ppt/slides/slide13.xml><?xml version="1.0" encoding="utf-8"?>
+<p:sld xmlns:p="http://schemas.openxmlformats.org/presentationml/2006/main" xmlns:a="http://schemas.openxmlformats.org/drawingml/2006/main" xmlns:r="http://schemas.openxmlformats.org/officeDocument/2006/relationships">
+  <p:cSld>
+    <p:spTree>
+      <p:nvGrpSpPr>
+        <p:cNvPr id="1" name=""/>
+        <p:cNvGrpSpPr/>
+        <p:nvPr/>
+      </p:nvGrpSpPr>
+      <p:grpSpPr>
+        <a:xfrm>
+          <a:off x="0" y="0"/>
+          <a:ext cx="0" cy="0"/>
+          <a:chOff x="0" y="0"/>
+          <a:chExt cx="0" cy="0"/>
+        </a:xfrm>
+      </p:grpSpPr>
+      <p:pic>
+        <p:nvPicPr>
+          <p:cNvPr name="Picture 2" id="2"/>
+          <p:cNvPicPr>
+            <a:picLocks noChangeAspect="true"/>
+          </p:cNvPicPr>
+          <p:nvPr/>
+        </p:nvPicPr>
+        <p:blipFill>
+          <a:blip r:embed="rId2"/>
+          <a:stretch>
+            <a:fillRect/>
+          </a:stretch>
+        </p:blipFill>
+        <p:spPr>
+          <a:xfrm>
+            <a:off x="2527300" y="1054100"/>
+            <a:ext cx="7137400" cy="4762500"/>
+          </a:xfrm>
+          <a:prstGeom prst="rect">
+            <a:avLst/>
+          </a:prstGeom>
+        </p:spPr>
+      </p:pic>
+    </p:spTree>
+  </p:cSld>
+  <p:clrMapOvr>
+    <a:masterClrMapping/>
+  </p:clrMapOvr>
+</p:sld>
+</file>
+
+<file path=ppt/slides/slide14.xml><?xml version="1.0" encoding="utf-8"?>
 <p:sld xmlns:p="http://schemas.openxmlformats.org/presentationml/2006/main" xmlns:a="http://schemas.openxmlformats.org/drawingml/2006/main">
   <p:cSld>
     <p:spTree>
@@ -38209,9 +38262,8 @@
           <a:p>
             <a:r>
               <a:rPr lang="en-US"/>
-              <a:t> The Green Iguana (Iguana iguana) is a large, arboreal lizard species found in Central and South America.
- It is known for its vibrant green coloration and herbivorous diet.
- The Green Iguana faces conservation concerns due to habitat loss and poaching.</a:t>
+              <a:t> The Green Iguana is a large lizard species found in Central and South America.
+ It is known for its vibrant green coloration and spends much of its time in the treetops.</a:t>
             </a:r>
           </a:p>
         </p:txBody>
@@ -38224,7 +38276,7 @@
 </p:sld>
 </file>
 
-<file path=ppt/slides/slide14.xml><?xml version="1.0" encoding="utf-8"?>
+<file path=ppt/slides/slide15.xml><?xml version="1.0" encoding="utf-8"?>
 <p:sld xmlns:p="http://schemas.openxmlformats.org/presentationml/2006/main" xmlns:a="http://schemas.openxmlformats.org/drawingml/2006/main">
   <p:cSld>
     <p:spTree>
@@ -38298,8 +38350,10 @@
           <a:p>
             <a:r>
               <a:rPr lang="en-US"/>
-              <a:t> The Caiman Lizard is a captivating reptile native to South America.
- It is welladapted to a semiaquatic lifestyle and plays a vital role in controlling aquatic vegetation.</a:t>
+              <a:t> The Caiman Lizard (Dracaena guianensis) is a captivating reptile native to South America.
+ It is semiaquatic and possesses a unique set of features, including a serrated tail.
+ It plays a vital role in controlling aquatic vegetation and maintaining ecological balance.
+ However, it faces threats such as habitat destruction and illegal trade, requiring conservation efforts.</a:t>
             </a:r>
           </a:p>
         </p:txBody>
@@ -38312,7 +38366,105 @@
 </p:sld>
 </file>
 
-<file path=ppt/slides/slide15.xml><?xml version="1.0" encoding="utf-8"?>
+<file path=ppt/slides/slide16.xml><?xml version="1.0" encoding="utf-8"?>
+<p:sld xmlns:p="http://schemas.openxmlformats.org/presentationml/2006/main" xmlns:a="http://schemas.openxmlformats.org/drawingml/2006/main" xmlns:r="http://schemas.openxmlformats.org/officeDocument/2006/relationships">
+  <p:cSld>
+    <p:spTree>
+      <p:nvGrpSpPr>
+        <p:cNvPr id="1" name=""/>
+        <p:cNvGrpSpPr/>
+        <p:nvPr/>
+      </p:nvGrpSpPr>
+      <p:grpSpPr>
+        <a:xfrm>
+          <a:off x="0" y="0"/>
+          <a:ext cx="0" cy="0"/>
+          <a:chOff x="0" y="0"/>
+          <a:chExt cx="0" cy="0"/>
+        </a:xfrm>
+      </p:grpSpPr>
+      <p:pic>
+        <p:nvPicPr>
+          <p:cNvPr name="Picture 2" id="2"/>
+          <p:cNvPicPr>
+            <a:picLocks noChangeAspect="true"/>
+          </p:cNvPicPr>
+          <p:nvPr/>
+        </p:nvPicPr>
+        <p:blipFill>
+          <a:blip r:embed="rId2"/>
+          <a:stretch>
+            <a:fillRect/>
+          </a:stretch>
+        </p:blipFill>
+        <p:spPr>
+          <a:xfrm>
+            <a:off x="2540000" y="762000"/>
+            <a:ext cx="7112000" cy="5334000"/>
+          </a:xfrm>
+          <a:prstGeom prst="rect">
+            <a:avLst/>
+          </a:prstGeom>
+        </p:spPr>
+      </p:pic>
+    </p:spTree>
+  </p:cSld>
+  <p:clrMapOvr>
+    <a:masterClrMapping/>
+  </p:clrMapOvr>
+</p:sld>
+</file>
+
+<file path=ppt/slides/slide17.xml><?xml version="1.0" encoding="utf-8"?>
+<p:sld xmlns:p="http://schemas.openxmlformats.org/presentationml/2006/main" xmlns:a="http://schemas.openxmlformats.org/drawingml/2006/main" xmlns:r="http://schemas.openxmlformats.org/officeDocument/2006/relationships">
+  <p:cSld>
+    <p:spTree>
+      <p:nvGrpSpPr>
+        <p:cNvPr id="1" name=""/>
+        <p:cNvGrpSpPr/>
+        <p:nvPr/>
+      </p:nvGrpSpPr>
+      <p:grpSpPr>
+        <a:xfrm>
+          <a:off x="0" y="0"/>
+          <a:ext cx="0" cy="0"/>
+          <a:chOff x="0" y="0"/>
+          <a:chExt cx="0" cy="0"/>
+        </a:xfrm>
+      </p:grpSpPr>
+      <p:pic>
+        <p:nvPicPr>
+          <p:cNvPr name="Picture 2" id="2"/>
+          <p:cNvPicPr>
+            <a:picLocks noChangeAspect="true"/>
+          </p:cNvPicPr>
+          <p:nvPr/>
+        </p:nvPicPr>
+        <p:blipFill>
+          <a:blip r:embed="rId2"/>
+          <a:stretch>
+            <a:fillRect/>
+          </a:stretch>
+        </p:blipFill>
+        <p:spPr>
+          <a:xfrm>
+            <a:off x="2184400" y="673100"/>
+            <a:ext cx="7835900" cy="5524500"/>
+          </a:xfrm>
+          <a:prstGeom prst="rect">
+            <a:avLst/>
+          </a:prstGeom>
+        </p:spPr>
+      </p:pic>
+    </p:spTree>
+  </p:cSld>
+  <p:clrMapOvr>
+    <a:masterClrMapping/>
+  </p:clrMapOvr>
+</p:sld>
+</file>
+
+<file path=ppt/slides/slide18.xml><?xml version="1.0" encoding="utf-8"?>
 <p:sld xmlns:p="http://schemas.openxmlformats.org/presentationml/2006/main" xmlns:a="http://schemas.openxmlformats.org/drawingml/2006/main">
   <p:cSld>
     <p:spTree>
@@ -38386,9 +38538,8 @@
           <a:p>
             <a:r>
               <a:rPr lang="en-US"/>
-              <a:t> The Tepui Lizard is a captivating reptile inhabiting the isolated Tepui plateaus of South America.
- It has developed remarkable adaptations to its specific surroundings, such as its coloration, which offers camouflage from potential predators.
- The species remains relatively understudied, emphasizing the importance of further research to gain insights into its biology and ecology for conservation purposes.</a:t>
+              <a:t> The Tepui Lizard (Pristidactylus urichi) is a captivating reptile inhabiting the isolated Tepui plateaus of South America.
+ Its remarkable adaptations to its specific surroundings make it ecologically significant as an indicator of the overall health and stability of these isolated ecosystems.</a:t>
             </a:r>
           </a:p>
         </p:txBody>
@@ -38401,7 +38552,7 @@
 </p:sld>
 </file>
 
-<file path=ppt/slides/slide16.xml><?xml version="1.0" encoding="utf-8"?>
+<file path=ppt/slides/slide19.xml><?xml version="1.0" encoding="utf-8"?>
 <p:sld xmlns:p="http://schemas.openxmlformats.org/presentationml/2006/main" xmlns:a="http://schemas.openxmlformats.org/drawingml/2006/main">
   <p:cSld>
     <p:spTree>
@@ -38475,184 +38626,8 @@
           <a:p>
             <a:r>
               <a:rPr lang="en-US"/>
-              <a:t> The Green Iguana, Caiman Lizard, and Tepui Lizard are among the most charismatic species of lizards in South America.
- These lizards face various threats, including habitat loss, illegal pet trade, pollution, and climate change.
- Conservation efforts are crucial to ensuring their longterm survival and wellbeing.</a:t>
-            </a:r>
-          </a:p>
-        </p:txBody>
-      </p:sp>
-    </p:spTree>
-  </p:cSld>
-  <p:clrMapOvr>
-    <a:masterClrMapping/>
-  </p:clrMapOvr>
-</p:sld>
-</file>
-
-<file path=ppt/slides/slide17.xml><?xml version="1.0" encoding="utf-8"?>
-<p:sld xmlns:p="http://schemas.openxmlformats.org/presentationml/2006/main" xmlns:a="http://schemas.openxmlformats.org/drawingml/2006/main">
-  <p:cSld>
-    <p:spTree>
-      <p:nvGrpSpPr>
-        <p:cNvPr id="1" name=""/>
-        <p:cNvGrpSpPr/>
-        <p:nvPr/>
-      </p:nvGrpSpPr>
-      <p:grpSpPr>
-        <a:xfrm>
-          <a:off x="0" y="0"/>
-          <a:ext cx="0" cy="0"/>
-          <a:chOff x="0" y="0"/>
-          <a:chExt cx="0" cy="0"/>
-        </a:xfrm>
-      </p:grpSpPr>
-      <p:sp xmlns:r="http://schemas.openxmlformats.org/officeDocument/2006/relationships">
-        <p:nvSpPr>
-          <p:cNvPr id="2" name="Title 1">
-            <a:extLst>
-              <a:ext uri="{FF2B5EF4-FFF2-40B4-BE49-F238E27FC236}">
-                <a16:creationId xmlns:a16="http://schemas.microsoft.com/office/drawing/2014/main" id="{7230846B-7B57-4F95-B17F-B9DEE339408B}"/>
-              </a:ext>
-            </a:extLst>
-          </p:cNvPr>
-          <p:cNvSpPr>
-            <a:spLocks noGrp="1"/>
-          </p:cNvSpPr>
-          <p:nvPr>
-            <p:ph type="title"/>
-          </p:nvPr>
-        </p:nvSpPr>
-        <p:spPr/>
-        <p:txBody>
-          <a:bodyPr/>
-          <a:lstStyle/>
-          <a:p>
-            <a:r>
-              <a:rPr lang="en-US"/>
-              <a:t>Ecological Roles</a:t>
-            </a:r>
-            <a:endParaRPr lang="en-US"/>
-          </a:p>
-        </p:txBody>
-      </p:sp>
-      <p:sp xmlns:r="http://schemas.openxmlformats.org/officeDocument/2006/relationships">
-        <p:nvSpPr>
-          <p:cNvPr id="3" name="Content Placeholder 2">
-            <a:extLst>
-              <a:ext uri="{FF2B5EF4-FFF2-40B4-BE49-F238E27FC236}">
-                <a16:creationId xmlns:a16="http://schemas.microsoft.com/office/drawing/2014/main" id="{E9B08814-722A-4F2C-8807-C09FEEC251E7}"/>
-              </a:ext>
-            </a:extLst>
-          </p:cNvPr>
-          <p:cNvSpPr>
-            <a:spLocks noGrp="1"/>
-          </p:cNvSpPr>
-          <p:nvPr>
-            <p:ph idx="1"/>
-          </p:nvPr>
-        </p:nvSpPr>
-        <p:spPr>
-          <a:xfrm>
-            <a:off x="838200" y="2438403"/>
-            <a:ext cx="10515600" cy="3545204"/>
-          </a:xfrm>
-        </p:spPr>
-        <p:txBody>
-          <a:bodyPr/>
-          <a:lstStyle/>
-          <a:p>
-            <a:r>
-              <a:rPr lang="en-US"/>
-              <a:t> South American lizards play crucial ecological roles within their respective habitats, contributing significantly to the overall balance and health of their ecosystems.</a:t>
-            </a:r>
-          </a:p>
-        </p:txBody>
-      </p:sp>
-    </p:spTree>
-  </p:cSld>
-  <p:clrMapOvr>
-    <a:masterClrMapping/>
-  </p:clrMapOvr>
-</p:sld>
-</file>
-
-<file path=ppt/slides/slide18.xml><?xml version="1.0" encoding="utf-8"?>
-<p:sld xmlns:p="http://schemas.openxmlformats.org/presentationml/2006/main" xmlns:a="http://schemas.openxmlformats.org/drawingml/2006/main">
-  <p:cSld>
-    <p:spTree>
-      <p:nvGrpSpPr>
-        <p:cNvPr id="1" name=""/>
-        <p:cNvGrpSpPr/>
-        <p:nvPr/>
-      </p:nvGrpSpPr>
-      <p:grpSpPr>
-        <a:xfrm>
-          <a:off x="0" y="0"/>
-          <a:ext cx="0" cy="0"/>
-          <a:chOff x="0" y="0"/>
-          <a:chExt cx="0" cy="0"/>
-        </a:xfrm>
-      </p:grpSpPr>
-      <p:sp xmlns:r="http://schemas.openxmlformats.org/officeDocument/2006/relationships">
-        <p:nvSpPr>
-          <p:cNvPr id="2" name="Title 1">
-            <a:extLst>
-              <a:ext uri="{FF2B5EF4-FFF2-40B4-BE49-F238E27FC236}">
-                <a16:creationId xmlns:a16="http://schemas.microsoft.com/office/drawing/2014/main" id="{7230846B-7B57-4F95-B17F-B9DEE339408B}"/>
-              </a:ext>
-            </a:extLst>
-          </p:cNvPr>
-          <p:cNvSpPr>
-            <a:spLocks noGrp="1"/>
-          </p:cNvSpPr>
-          <p:nvPr>
-            <p:ph type="title"/>
-          </p:nvPr>
-        </p:nvSpPr>
-        <p:spPr/>
-        <p:txBody>
-          <a:bodyPr/>
-          <a:lstStyle/>
-          <a:p>
-            <a:r>
-              <a:rPr lang="en-US"/>
-              <a:t>Conclusion</a:t>
-            </a:r>
-            <a:endParaRPr lang="en-US"/>
-          </a:p>
-        </p:txBody>
-      </p:sp>
-      <p:sp xmlns:r="http://schemas.openxmlformats.org/officeDocument/2006/relationships">
-        <p:nvSpPr>
-          <p:cNvPr id="3" name="Content Placeholder 2">
-            <a:extLst>
-              <a:ext uri="{FF2B5EF4-FFF2-40B4-BE49-F238E27FC236}">
-                <a16:creationId xmlns:a16="http://schemas.microsoft.com/office/drawing/2014/main" id="{E9B08814-722A-4F2C-8807-C09FEEC251E7}"/>
-              </a:ext>
-            </a:extLst>
-          </p:cNvPr>
-          <p:cNvSpPr>
-            <a:spLocks noGrp="1"/>
-          </p:cNvSpPr>
-          <p:nvPr>
-            <p:ph idx="1"/>
-          </p:nvPr>
-        </p:nvSpPr>
-        <p:spPr>
-          <a:xfrm>
-            <a:off x="838200" y="2438403"/>
-            <a:ext cx="10515600" cy="3545204"/>
-          </a:xfrm>
-        </p:spPr>
-        <p:txBody>
-          <a:bodyPr/>
-          <a:lstStyle/>
-          <a:p>
-            <a:r>
-              <a:rPr lang="en-US"/>
-              <a:t> Our exploration of South American lizards has revealed their fascinating diversity and critical roles in their respective ecosystems.
- However, we also discovered that these creatures face numerous threats, necessitating urgent conservation efforts.</a:t>
+              <a:t> The Green Iguana, Caiman Lizard, and Tepui Lizard are all threatened by habitat loss and other human activities.
+ To conserve these species, efforts should focus on establishing protected areas and reserves, combating illegal pet trade, and minimizing pollution and climate change impacts.</a:t>
             </a:r>
           </a:p>
         </p:txBody>
@@ -38753,6 +38728,181 @@
 </p:sld>
 </file>
 
+<file path=ppt/slides/slide20.xml><?xml version="1.0" encoding="utf-8"?>
+<p:sld xmlns:p="http://schemas.openxmlformats.org/presentationml/2006/main" xmlns:a="http://schemas.openxmlformats.org/drawingml/2006/main">
+  <p:cSld>
+    <p:spTree>
+      <p:nvGrpSpPr>
+        <p:cNvPr id="1" name=""/>
+        <p:cNvGrpSpPr/>
+        <p:nvPr/>
+      </p:nvGrpSpPr>
+      <p:grpSpPr>
+        <a:xfrm>
+          <a:off x="0" y="0"/>
+          <a:ext cx="0" cy="0"/>
+          <a:chOff x="0" y="0"/>
+          <a:chExt cx="0" cy="0"/>
+        </a:xfrm>
+      </p:grpSpPr>
+      <p:sp xmlns:r="http://schemas.openxmlformats.org/officeDocument/2006/relationships">
+        <p:nvSpPr>
+          <p:cNvPr id="2" name="Title 1">
+            <a:extLst>
+              <a:ext uri="{FF2B5EF4-FFF2-40B4-BE49-F238E27FC236}">
+                <a16:creationId xmlns:a16="http://schemas.microsoft.com/office/drawing/2014/main" id="{7230846B-7B57-4F95-B17F-B9DEE339408B}"/>
+              </a:ext>
+            </a:extLst>
+          </p:cNvPr>
+          <p:cNvSpPr>
+            <a:spLocks noGrp="1"/>
+          </p:cNvSpPr>
+          <p:nvPr>
+            <p:ph type="title"/>
+          </p:nvPr>
+        </p:nvSpPr>
+        <p:spPr/>
+        <p:txBody>
+          <a:bodyPr/>
+          <a:lstStyle/>
+          <a:p>
+            <a:r>
+              <a:rPr lang="en-US"/>
+              <a:t>Ecological Roles</a:t>
+            </a:r>
+            <a:endParaRPr lang="en-US"/>
+          </a:p>
+        </p:txBody>
+      </p:sp>
+      <p:sp xmlns:r="http://schemas.openxmlformats.org/officeDocument/2006/relationships">
+        <p:nvSpPr>
+          <p:cNvPr id="3" name="Content Placeholder 2">
+            <a:extLst>
+              <a:ext uri="{FF2B5EF4-FFF2-40B4-BE49-F238E27FC236}">
+                <a16:creationId xmlns:a16="http://schemas.microsoft.com/office/drawing/2014/main" id="{E9B08814-722A-4F2C-8807-C09FEEC251E7}"/>
+              </a:ext>
+            </a:extLst>
+          </p:cNvPr>
+          <p:cNvSpPr>
+            <a:spLocks noGrp="1"/>
+          </p:cNvSpPr>
+          <p:nvPr>
+            <p:ph idx="1"/>
+          </p:nvPr>
+        </p:nvSpPr>
+        <p:spPr>
+          <a:xfrm>
+            <a:off x="838200" y="2438403"/>
+            <a:ext cx="10515600" cy="3545204"/>
+          </a:xfrm>
+        </p:spPr>
+        <p:txBody>
+          <a:bodyPr/>
+          <a:lstStyle/>
+          <a:p>
+            <a:r>
+              <a:rPr lang="en-US"/>
+              <a:t> South American lizards play crucial ecological roles within their respective habitats, contributing significantly to the overall balance and health of their ecosystems.</a:t>
+            </a:r>
+          </a:p>
+        </p:txBody>
+      </p:sp>
+    </p:spTree>
+  </p:cSld>
+  <p:clrMapOvr>
+    <a:masterClrMapping/>
+  </p:clrMapOvr>
+</p:sld>
+</file>
+
+<file path=ppt/slides/slide21.xml><?xml version="1.0" encoding="utf-8"?>
+<p:sld xmlns:p="http://schemas.openxmlformats.org/presentationml/2006/main" xmlns:a="http://schemas.openxmlformats.org/drawingml/2006/main">
+  <p:cSld>
+    <p:spTree>
+      <p:nvGrpSpPr>
+        <p:cNvPr id="1" name=""/>
+        <p:cNvGrpSpPr/>
+        <p:nvPr/>
+      </p:nvGrpSpPr>
+      <p:grpSpPr>
+        <a:xfrm>
+          <a:off x="0" y="0"/>
+          <a:ext cx="0" cy="0"/>
+          <a:chOff x="0" y="0"/>
+          <a:chExt cx="0" cy="0"/>
+        </a:xfrm>
+      </p:grpSpPr>
+      <p:sp xmlns:r="http://schemas.openxmlformats.org/officeDocument/2006/relationships">
+        <p:nvSpPr>
+          <p:cNvPr id="2" name="Title 1">
+            <a:extLst>
+              <a:ext uri="{FF2B5EF4-FFF2-40B4-BE49-F238E27FC236}">
+                <a16:creationId xmlns:a16="http://schemas.microsoft.com/office/drawing/2014/main" id="{7230846B-7B57-4F95-B17F-B9DEE339408B}"/>
+              </a:ext>
+            </a:extLst>
+          </p:cNvPr>
+          <p:cNvSpPr>
+            <a:spLocks noGrp="1"/>
+          </p:cNvSpPr>
+          <p:nvPr>
+            <p:ph type="title"/>
+          </p:nvPr>
+        </p:nvSpPr>
+        <p:spPr/>
+        <p:txBody>
+          <a:bodyPr/>
+          <a:lstStyle/>
+          <a:p>
+            <a:r>
+              <a:rPr lang="en-US"/>
+              <a:t>Conclusion</a:t>
+            </a:r>
+            <a:endParaRPr lang="en-US"/>
+          </a:p>
+        </p:txBody>
+      </p:sp>
+      <p:sp xmlns:r="http://schemas.openxmlformats.org/officeDocument/2006/relationships">
+        <p:nvSpPr>
+          <p:cNvPr id="3" name="Content Placeholder 2">
+            <a:extLst>
+              <a:ext uri="{FF2B5EF4-FFF2-40B4-BE49-F238E27FC236}">
+                <a16:creationId xmlns:a16="http://schemas.microsoft.com/office/drawing/2014/main" id="{E9B08814-722A-4F2C-8807-C09FEEC251E7}"/>
+              </a:ext>
+            </a:extLst>
+          </p:cNvPr>
+          <p:cNvSpPr>
+            <a:spLocks noGrp="1"/>
+          </p:cNvSpPr>
+          <p:nvPr>
+            <p:ph idx="1"/>
+          </p:nvPr>
+        </p:nvSpPr>
+        <p:spPr>
+          <a:xfrm>
+            <a:off x="838200" y="2438403"/>
+            <a:ext cx="10515600" cy="3545204"/>
+          </a:xfrm>
+        </p:spPr>
+        <p:txBody>
+          <a:bodyPr/>
+          <a:lstStyle/>
+          <a:p>
+            <a:r>
+              <a:rPr lang="en-US"/>
+              <a:t> South American lizards are a diverse group of reptiles that play important roles in their respective ecosystems.
+ They face numerous threats, such as habitat loss, climate change, and illegal trade, which necessitate urgent conservation efforts.</a:t>
+            </a:r>
+          </a:p>
+        </p:txBody>
+      </p:sp>
+    </p:spTree>
+  </p:cSld>
+  <p:clrMapOvr>
+    <a:masterClrMapping/>
+  </p:clrMapOvr>
+</p:sld>
+</file>
+
 <file path=ppt/slides/slide3.xml><?xml version="1.0" encoding="utf-8"?>
 <p:sld xmlns:p="http://schemas.openxmlformats.org/presentationml/2006/main" xmlns:a="http://schemas.openxmlformats.org/drawingml/2006/main">
   <p:cSld>
@@ -38827,7 +38977,8 @@
           <a:p>
             <a:r>
               <a:rPr lang="en-US"/>
-              <a:t> South America is home to a wide variety of lizard families, each with its own unique characteristics and adaptations to the various habitats found across the continent.</a:t>
+              <a:t> South America is home to a diverse range of lizard families.
+ Each family has its unique characteristics and adaptations to various habitats.</a:t>
             </a:r>
           </a:p>
         </p:txBody>
@@ -38914,7 +39065,8 @@
           <a:p>
             <a:r>
               <a:rPr lang="en-US"/>
-              <a:t> This family includes the iconic Green Iguana (Iguana iguana), which is one of the most wellknown and widespread lizards in the region.</a:t>
+              <a:t> Iguanidae is a family of lizards that includes the Green Iguana.
+ Iguanidae members are arboreal and have long tails, strong limbs, and a herbivorous diet.</a:t>
             </a:r>
           </a:p>
         </p:txBody>
@@ -39001,8 +39153,8 @@
           <a:p>
             <a:r>
               <a:rPr lang="en-US"/>
-              <a:t> Tegu lizards are large and intelligent lizards.
- They are commonly kept as pets.</a:t>
+              <a:t> Teiidae are lizards known as whiptails or racerunners.
+ They are known for their slender bodies and long tails.</a:t>
             </a:r>
           </a:p>
         </p:txBody>
@@ -39176,8 +39328,8 @@
           <a:p>
             <a:r>
               <a:rPr lang="en-US"/>
-              <a:t> Geckos are nocturnal lizards found in South America.
- They have adhesive toe pads that allow them to climb vertical surfaces.</a:t>
+              <a:t> Geckos are nocturnal lizards with adhesive toe pads.
+ The Gold Dust Day Gecko is an example of a gecko species found in South America.</a:t>
             </a:r>
           </a:p>
         </p:txBody>
@@ -39351,7 +39503,8 @@
           <a:p>
             <a:r>
               <a:rPr lang="en-US"/>
-              <a:t> The Dactyloidae family includes the Anoles, which are lizards that can change color.</a:t>
+              <a:t> The Anoles are members of the Dactyloidae family.
+ Several species inhabit South America.</a:t>
             </a:r>
           </a:p>
         </p:txBody>
